--- a/doc/SyncLab gif.pptx
+++ b/doc/SyncLab gif.pptx
@@ -314,7 +314,7 @@
                 </a:solidFill>
               </a:rPr>
               <a:pPr/>
-              <a:t>6/27/2017</a:t>
+              <a:t>6/29/2017</a:t>
             </a:fld>
             <a:endParaRPr lang="en-US">
               <a:solidFill>
@@ -514,7 +514,7 @@
                 </a:solidFill>
               </a:rPr>
               <a:pPr/>
-              <a:t>6/27/2017</a:t>
+              <a:t>6/29/2017</a:t>
             </a:fld>
             <a:endParaRPr lang="en-US">
               <a:solidFill>
@@ -724,7 +724,7 @@
                 </a:solidFill>
               </a:rPr>
               <a:pPr/>
-              <a:t>6/27/2017</a:t>
+              <a:t>6/29/2017</a:t>
             </a:fld>
             <a:endParaRPr lang="en-US">
               <a:solidFill>
@@ -924,7 +924,7 @@
                 </a:solidFill>
               </a:rPr>
               <a:pPr/>
-              <a:t>6/27/2017</a:t>
+              <a:t>6/29/2017</a:t>
             </a:fld>
             <a:endParaRPr lang="en-US">
               <a:solidFill>
@@ -1201,7 +1201,7 @@
                 </a:solidFill>
               </a:rPr>
               <a:pPr/>
-              <a:t>6/27/2017</a:t>
+              <a:t>6/29/2017</a:t>
             </a:fld>
             <a:endParaRPr lang="en-US">
               <a:solidFill>
@@ -1518,7 +1518,7 @@
                 </a:solidFill>
               </a:rPr>
               <a:pPr/>
-              <a:t>6/27/2017</a:t>
+              <a:t>6/29/2017</a:t>
             </a:fld>
             <a:endParaRPr lang="en-US">
               <a:solidFill>
@@ -1974,7 +1974,7 @@
                 </a:solidFill>
               </a:rPr>
               <a:pPr/>
-              <a:t>6/27/2017</a:t>
+              <a:t>6/29/2017</a:t>
             </a:fld>
             <a:endParaRPr lang="en-US">
               <a:solidFill>
@@ -2123,7 +2123,7 @@
                 </a:solidFill>
               </a:rPr>
               <a:pPr/>
-              <a:t>6/27/2017</a:t>
+              <a:t>6/29/2017</a:t>
             </a:fld>
             <a:endParaRPr lang="en-US">
               <a:solidFill>
@@ -2250,7 +2250,7 @@
                 </a:solidFill>
               </a:rPr>
               <a:pPr/>
-              <a:t>6/27/2017</a:t>
+              <a:t>6/29/2017</a:t>
             </a:fld>
             <a:endParaRPr lang="en-US">
               <a:solidFill>
@@ -2557,7 +2557,7 @@
                 </a:solidFill>
               </a:rPr>
               <a:pPr/>
-              <a:t>6/27/2017</a:t>
+              <a:t>6/29/2017</a:t>
             </a:fld>
             <a:endParaRPr lang="en-US">
               <a:solidFill>
@@ -2841,7 +2841,7 @@
                 </a:solidFill>
               </a:rPr>
               <a:pPr/>
-              <a:t>6/27/2017</a:t>
+              <a:t>6/29/2017</a:t>
             </a:fld>
             <a:endParaRPr lang="en-US">
               <a:solidFill>
@@ -3087,7 +3087,7 @@
                 </a:solidFill>
               </a:rPr>
               <a:pPr/>
-              <a:t>6/27/2017</a:t>
+              <a:t>6/29/2017</a:t>
             </a:fld>
             <a:endParaRPr lang="en-US">
               <a:solidFill>
@@ -3901,11 +3901,11 @@
   <p:clrMapOvr>
     <a:masterClrMapping/>
   </p:clrMapOvr>
-  <mc:AlternateContent xmlns:mc="http://schemas.openxmlformats.org/markup-compatibility/2006">
-    <mc:Choice xmlns:p14="http://schemas.microsoft.com/office/powerpoint/2010/main" Requires="p14">
+  <mc:AlternateContent xmlns:mc="http://schemas.openxmlformats.org/markup-compatibility/2006" xmlns:p14="http://schemas.microsoft.com/office/powerpoint/2010/main">
+    <mc:Choice Requires="p14">
       <p:transition p14:dur="0" advTm="0"/>
     </mc:Choice>
-    <mc:Fallback>
+    <mc:Fallback xmlns="">
       <p:transition advTm="0"/>
     </mc:Fallback>
   </mc:AlternateContent>
@@ -4804,6 +4804,56 @@
           </a:p>
         </p:txBody>
       </p:sp>
+      <p:sp>
+        <p:nvSpPr>
+          <p:cNvPr id="3" name="Rectangle 2">
+            <a:extLst>
+              <a:ext uri="{FF2B5EF4-FFF2-40B4-BE49-F238E27FC236}">
+                <a16:creationId xmlns:a16="http://schemas.microsoft.com/office/drawing/2014/main" id="{462FFF8F-2842-44F5-97C2-FAB1FC3BDC15}"/>
+              </a:ext>
+            </a:extLst>
+          </p:cNvPr>
+          <p:cNvSpPr/>
+          <p:nvPr/>
+        </p:nvSpPr>
+        <p:spPr>
+          <a:xfrm>
+            <a:off x="827584" y="5445224"/>
+            <a:ext cx="648072" cy="648072"/>
+          </a:xfrm>
+          <a:prstGeom prst="rect">
+            <a:avLst/>
+          </a:prstGeom>
+          <a:noFill/>
+          <a:ln>
+            <a:noFill/>
+          </a:ln>
+        </p:spPr>
+        <p:style>
+          <a:lnRef idx="2">
+            <a:schemeClr val="accent1">
+              <a:shade val="50000"/>
+            </a:schemeClr>
+          </a:lnRef>
+          <a:fillRef idx="1">
+            <a:schemeClr val="accent1"/>
+          </a:fillRef>
+          <a:effectRef idx="0">
+            <a:schemeClr val="accent1"/>
+          </a:effectRef>
+          <a:fontRef idx="minor">
+            <a:schemeClr val="lt1"/>
+          </a:fontRef>
+        </p:style>
+        <p:txBody>
+          <a:bodyPr rtlCol="0" anchor="ctr"/>
+          <a:lstStyle/>
+          <a:p>
+            <a:pPr algn="ctr"/>
+            <a:endParaRPr lang="en-US"/>
+          </a:p>
+        </p:txBody>
+      </p:sp>
     </p:spTree>
     <p:extLst>
       <p:ext uri="{BB962C8B-B14F-4D97-AF65-F5344CB8AC3E}">
@@ -4814,13 +4864,13 @@
   <p:clrMapOvr>
     <a:masterClrMapping/>
   </p:clrMapOvr>
-  <mc:AlternateContent xmlns:mc="http://schemas.openxmlformats.org/markup-compatibility/2006">
-    <mc:Choice xmlns:p159="http://schemas.microsoft.com/office/powerpoint/2015/09/main" Requires="p159">
+  <mc:AlternateContent xmlns:mc="http://schemas.openxmlformats.org/markup-compatibility/2006" xmlns:p159="http://schemas.microsoft.com/office/powerpoint/2015/09/main">
+    <mc:Choice Requires="p159">
       <p:transition xmlns:p14="http://schemas.microsoft.com/office/powerpoint/2010/main" spd="slow" p14:dur="2000" advTm="0">
         <p159:morph option="byObject"/>
       </p:transition>
     </mc:Choice>
-    <mc:Fallback>
+    <mc:Fallback xmlns="">
       <p:transition spd="slow" advTm="0">
         <p:fade/>
       </p:transition>
@@ -5158,6 +5208,55 @@
                             </p:childTnLst>
                           </p:cTn>
                         </p:par>
+                        <p:par>
+                          <p:cTn id="33" fill="hold">
+                            <p:stCondLst>
+                              <p:cond delay="1500"/>
+                            </p:stCondLst>
+                            <p:childTnLst>
+                              <p:par>
+                                <p:cTn id="34" presetID="10" presetClass="exit" presetSubtype="0" fill="hold" grpId="0" nodeType="afterEffect" nodePh="1">
+                                  <p:stCondLst>
+                                    <p:cond delay="0"/>
+                                  </p:stCondLst>
+                                  <p:endCondLst>
+                                    <p:cond evt="begin" delay="0">
+                                      <p:tn val="34"/>
+                                    </p:cond>
+                                  </p:endCondLst>
+                                  <p:childTnLst>
+                                    <p:animEffect transition="out" filter="fade">
+                                      <p:cBhvr>
+                                        <p:cTn id="35" dur="1000"/>
+                                        <p:tgtEl>
+                                          <p:spTgt spid="3"/>
+                                        </p:tgtEl>
+                                      </p:cBhvr>
+                                    </p:animEffect>
+                                    <p:set>
+                                      <p:cBhvr>
+                                        <p:cTn id="36" dur="1" fill="hold">
+                                          <p:stCondLst>
+                                            <p:cond delay="999"/>
+                                          </p:stCondLst>
+                                        </p:cTn>
+                                        <p:tgtEl>
+                                          <p:spTgt spid="3"/>
+                                        </p:tgtEl>
+                                        <p:attrNameLst>
+                                          <p:attrName>style.visibility</p:attrName>
+                                        </p:attrNameLst>
+                                      </p:cBhvr>
+                                      <p:to>
+                                        <p:strVal val="hidden"/>
+                                      </p:to>
+                                    </p:set>
+                                  </p:childTnLst>
+                                </p:cTn>
+                              </p:par>
+                            </p:childTnLst>
+                          </p:cTn>
+                        </p:par>
                       </p:childTnLst>
                     </p:cTn>
                   </p:par>
@@ -5191,6 +5290,7 @@
       <p:bldP spid="51" grpId="0" animBg="1"/>
       <p:bldP spid="55" grpId="0" animBg="1"/>
       <p:bldP spid="55" grpId="1" animBg="1"/>
+      <p:bldP spid="3" grpId="0"/>
     </p:bldLst>
   </p:timing>
 </p:sld>
